--- a/IKTProjwPeter.pptx
+++ b/IKTProjwPeter.pptx
@@ -5840,19 +5840,7 @@
           <a:p>
             <a:r>
               <a:rPr lang="hu-HU" dirty="0" smtClean="0"/>
-              <a:t>Csapattagok: Én </a:t>
-            </a:r>
-            <a:r>
-              <a:rPr lang="hu-HU" dirty="0" err="1" smtClean="0"/>
-              <a:t>peti</a:t>
-            </a:r>
-            <a:r>
-              <a:rPr lang="hu-HU" dirty="0" smtClean="0"/>
-              <a:t> </a:t>
-            </a:r>
-            <a:r>
-              <a:rPr lang="hu-HU" dirty="0" err="1" smtClean="0"/>
-              <a:t>dani</a:t>
+              <a:t>Csapattagok: Szabó Péter, Baranyi Dániel, Kerék Ádám</a:t>
             </a:r>
             <a:endParaRPr lang="hu-HU" dirty="0"/>
           </a:p>
@@ -5905,7 +5893,7 @@
           <a:p>
             <a:r>
               <a:rPr lang="hu-HU" dirty="0" smtClean="0"/>
-              <a:t>ÉN mit csináltam</a:t>
+              <a:t>Ádám munkája</a:t>
             </a:r>
             <a:endParaRPr lang="hu-HU" dirty="0"/>
           </a:p>
@@ -5924,67 +5912,49 @@
         <p:spPr/>
         <p:txBody>
           <a:bodyPr>
-            <a:normAutofit fontScale="92500" lnSpcReduction="20000"/>
+            <a:normAutofit/>
           </a:bodyPr>
           <a:lstStyle/>
           <a:p>
             <a:r>
               <a:rPr lang="hu-HU" dirty="0" smtClean="0"/>
-              <a:t>Hát </a:t>
-            </a:r>
+              <a:t>Grafikonok létrehozása</a:t>
+            </a:r>
+          </a:p>
+          <a:p>
+            <a:r>
+              <a:rPr lang="hu-HU" dirty="0" smtClean="0"/>
+              <a:t>A 3 leghosszabb sorozatot tartalmazó számsor kinyerése</a:t>
+            </a:r>
+          </a:p>
+          <a:p>
+            <a:r>
+              <a:rPr lang="hu-HU" dirty="0" smtClean="0"/>
+              <a:t>Képek szerkesztése</a:t>
+            </a:r>
+          </a:p>
+          <a:p>
             <a:r>
               <a:rPr lang="hu-HU" dirty="0" err="1" smtClean="0"/>
-              <a:t>nemsokmindent</a:t>
+              <a:t>Html</a:t>
             </a:r>
             <a:r>
               <a:rPr lang="hu-HU" dirty="0" smtClean="0"/>
-              <a:t>, de a grafikonok megvannak.</a:t>
-            </a:r>
-          </a:p>
-          <a:p>
+              <a:t> illetve </a:t>
+            </a:r>
+            <a:r>
+              <a:rPr lang="hu-HU" dirty="0" err="1" smtClean="0"/>
+              <a:t>Css</a:t>
+            </a:r>
             <a:r>
               <a:rPr lang="hu-HU" dirty="0" smtClean="0"/>
-              <a:t>Megcsináltam mind a 3 leghosszabb sorozatot tartalmazó számsor kinyerését</a:t>
+              <a:t> fájlok szépítése, javítása</a:t>
             </a:r>
           </a:p>
           <a:p>
             <a:r>
               <a:rPr lang="hu-HU" dirty="0" smtClean="0"/>
-              <a:t>Képeket szerkesztettem</a:t>
-            </a:r>
-          </a:p>
-          <a:p>
-            <a:r>
-              <a:rPr lang="hu-HU" dirty="0" smtClean="0"/>
-              <a:t>FEJBŐL írtam a lottós történetet</a:t>
-            </a:r>
-          </a:p>
-          <a:p>
-            <a:r>
-              <a:rPr lang="hu-HU" dirty="0" smtClean="0"/>
-              <a:t>Egy kis </a:t>
-            </a:r>
-            <a:r>
-              <a:rPr lang="hu-HU" dirty="0" err="1" smtClean="0"/>
-              <a:t>hátéemel</a:t>
-            </a:r>
-            <a:r>
-              <a:rPr lang="hu-HU" dirty="0" smtClean="0"/>
-              <a:t> </a:t>
-            </a:r>
-            <a:r>
-              <a:rPr lang="hu-HU" dirty="0" err="1" smtClean="0"/>
-              <a:t>céeses</a:t>
-            </a:r>
-            <a:r>
-              <a:rPr lang="hu-HU" dirty="0" smtClean="0"/>
-              <a:t> kijavítottam egy két hibát itt ott</a:t>
-            </a:r>
-          </a:p>
-          <a:p>
-            <a:r>
-              <a:rPr lang="hu-HU" dirty="0" smtClean="0"/>
-              <a:t>Én csináltam a pépétét</a:t>
+              <a:t>Bemutató elkészítése</a:t>
             </a:r>
           </a:p>
           <a:p>
@@ -5992,21 +5962,6 @@
               <a:rPr lang="hu-HU" dirty="0" smtClean="0"/>
               <a:t>Adatelemzés CSV fájlból</a:t>
             </a:r>
-          </a:p>
-          <a:p>
-            <a:r>
-              <a:rPr lang="hu-HU" dirty="0" smtClean="0"/>
-              <a:t>Déli </a:t>
-            </a:r>
-            <a:r>
-              <a:rPr lang="hu-HU" dirty="0" err="1" smtClean="0"/>
-              <a:t>scrumon</a:t>
-            </a:r>
-            <a:r>
-              <a:rPr lang="hu-HU" dirty="0" smtClean="0"/>
-              <a:t> megjelenés ( nem délben)</a:t>
-            </a:r>
-            <a:endParaRPr lang="hu-HU" dirty="0"/>
           </a:p>
         </p:txBody>
       </p:sp>
@@ -6057,7 +6012,7 @@
           <a:p>
             <a:r>
               <a:rPr lang="hu-HU" dirty="0" smtClean="0"/>
-              <a:t>Péter mit csinált</a:t>
+              <a:t>Péter munkája</a:t>
             </a:r>
             <a:endParaRPr lang="hu-HU" dirty="0"/>
           </a:p>
@@ -6181,7 +6136,7 @@
           <a:p>
             <a:r>
               <a:rPr lang="hu-HU" dirty="0" smtClean="0"/>
-              <a:t>Dani mit csinált</a:t>
+              <a:t>Dani munkája</a:t>
             </a:r>
             <a:endParaRPr lang="hu-HU" dirty="0"/>
           </a:p>
@@ -6259,12 +6214,12 @@
               <a:t>bugok</a:t>
             </a:r>
             <a:r>
-              <a:rPr lang="hu-HU" smtClean="0"/>
+              <a:rPr lang="hu-HU" dirty="0" smtClean="0"/>
               <a:t>) kijavítása</a:t>
             </a:r>
           </a:p>
           <a:p>
-            <a:endParaRPr lang="hu-HU"/>
+            <a:endParaRPr lang="hu-HU" dirty="0"/>
           </a:p>
         </p:txBody>
       </p:sp>

--- a/IKTProjwPeter.pptx
+++ b/IKTProjwPeter.pptx
@@ -9,6 +9,7 @@
     <p:sldId id="257" r:id="rId3"/>
     <p:sldId id="258" r:id="rId4"/>
     <p:sldId id="259" r:id="rId5"/>
+    <p:sldId id="260" r:id="rId6"/>
   </p:sldIdLst>
   <p:sldSz cx="12192000" cy="6858000"/>
   <p:notesSz cx="6858000" cy="9144000"/>
@@ -6236,6 +6237,78 @@
 </p:sld>
 </file>
 
+<file path=ppt/slides/slide5.xml><?xml version="1.0" encoding="utf-8"?>
+<p:sld xmlns:a="http://schemas.openxmlformats.org/drawingml/2006/main" xmlns:r="http://schemas.openxmlformats.org/officeDocument/2006/relationships" xmlns:p="http://schemas.openxmlformats.org/presentationml/2006/main">
+  <p:cSld>
+    <p:spTree>
+      <p:nvGrpSpPr>
+        <p:cNvPr id="1" name=""/>
+        <p:cNvGrpSpPr/>
+        <p:nvPr/>
+      </p:nvGrpSpPr>
+      <p:grpSpPr>
+        <a:xfrm>
+          <a:off x="0" y="0"/>
+          <a:ext cx="0" cy="0"/>
+          <a:chOff x="0" y="0"/>
+          <a:chExt cx="0" cy="0"/>
+        </a:xfrm>
+      </p:grpSpPr>
+      <p:sp>
+        <p:nvSpPr>
+          <p:cNvPr id="2" name="Cím 1"/>
+          <p:cNvSpPr>
+            <a:spLocks noGrp="1"/>
+          </p:cNvSpPr>
+          <p:nvPr>
+            <p:ph type="title"/>
+          </p:nvPr>
+        </p:nvSpPr>
+        <p:spPr/>
+        <p:txBody>
+          <a:bodyPr/>
+          <a:lstStyle/>
+          <a:p>
+            <a:r>
+              <a:rPr lang="hu-HU" dirty="0" smtClean="0"/>
+              <a:t>Köszönjük a figyelmet</a:t>
+            </a:r>
+            <a:endParaRPr lang="hu-HU" dirty="0"/>
+          </a:p>
+        </p:txBody>
+      </p:sp>
+      <p:sp>
+        <p:nvSpPr>
+          <p:cNvPr id="3" name="Tartalom helye 2"/>
+          <p:cNvSpPr>
+            <a:spLocks noGrp="1"/>
+          </p:cNvSpPr>
+          <p:nvPr>
+            <p:ph idx="1"/>
+          </p:nvPr>
+        </p:nvSpPr>
+        <p:spPr/>
+        <p:txBody>
+          <a:bodyPr/>
+          <a:lstStyle/>
+          <a:p>
+            <a:endParaRPr lang="hu-HU"/>
+          </a:p>
+        </p:txBody>
+      </p:sp>
+    </p:spTree>
+    <p:extLst>
+      <p:ext uri="{BB962C8B-B14F-4D97-AF65-F5344CB8AC3E}">
+        <p14:creationId xmlns:p14="http://schemas.microsoft.com/office/powerpoint/2010/main" val="690812456"/>
+      </p:ext>
+    </p:extLst>
+  </p:cSld>
+  <p:clrMapOvr>
+    <a:masterClrMapping/>
+  </p:clrMapOvr>
+</p:sld>
+</file>
+
 <file path=ppt/theme/theme1.xml><?xml version="1.0" encoding="utf-8"?>
 <a:theme xmlns:a="http://schemas.openxmlformats.org/drawingml/2006/main" name="Organikus">
   <a:themeElements>

--- a/IKTProjwPeter.pptx
+++ b/IKTProjwPeter.pptx
@@ -108,6 +108,11 @@
       </a:defRPr>
     </a:lvl9pPr>
   </p:defaultTextStyle>
+  <p:extLst>
+    <p:ext uri="{EFAFB233-063F-42B5-8137-9DF3F51BA10A}">
+      <p15:sldGuideLst xmlns:p15="http://schemas.microsoft.com/office/powerpoint/2012/main"/>
+    </p:ext>
+  </p:extLst>
 </p:presentation>
 </file>
 
@@ -5913,7 +5918,7 @@
         <p:spPr/>
         <p:txBody>
           <a:bodyPr>
-            <a:normAutofit/>
+            <a:normAutofit lnSpcReduction="10000"/>
           </a:bodyPr>
           <a:lstStyle/>
           <a:p>
@@ -5961,8 +5966,27 @@
           <a:p>
             <a:r>
               <a:rPr lang="hu-HU" dirty="0" smtClean="0"/>
-              <a:t>Adatelemzés CSV fájlból</a:t>
-            </a:r>
+              <a:t>Adatelemzés CSV </a:t>
+            </a:r>
+            <a:r>
+              <a:rPr lang="hu-HU" dirty="0" smtClean="0"/>
+              <a:t>fájlból</a:t>
+            </a:r>
+          </a:p>
+          <a:p>
+            <a:r>
+              <a:rPr lang="hu-HU" dirty="0" err="1" smtClean="0"/>
+              <a:t>Css</a:t>
+            </a:r>
+            <a:r>
+              <a:rPr lang="hu-HU" dirty="0" smtClean="0"/>
+              <a:t> és HTML </a:t>
+            </a:r>
+            <a:r>
+              <a:rPr lang="hu-HU" dirty="0" err="1" smtClean="0"/>
+              <a:t>validálása</a:t>
+            </a:r>
+            <a:endParaRPr lang="hu-HU" dirty="0" smtClean="0"/>
           </a:p>
         </p:txBody>
       </p:sp>

--- a/IKTProjwPeter.pptx
+++ b/IKTProjwPeter.pptx
@@ -448,7 +448,7 @@
             <a:fld id="{B61BEF0D-F0BB-DE4B-95CE-6DB70DBA9567}" type="datetimeFigureOut">
               <a:rPr lang="en-US" dirty="0"/>
               <a:pPr/>
-              <a:t>1/18/2022</a:t>
+              <a:t>1/19/2022</a:t>
             </a:fld>
             <a:endParaRPr lang="en-US" dirty="0"/>
           </a:p>
@@ -769,7 +769,7 @@
             <a:fld id="{B61BEF0D-F0BB-DE4B-95CE-6DB70DBA9567}" type="datetimeFigureOut">
               <a:rPr lang="en-US" dirty="0"/>
               <a:pPr/>
-              <a:t>1/18/2022</a:t>
+              <a:t>1/19/2022</a:t>
             </a:fld>
             <a:endParaRPr lang="en-US" dirty="0"/>
           </a:p>
@@ -1014,7 +1014,7 @@
             <a:fld id="{B61BEF0D-F0BB-DE4B-95CE-6DB70DBA9567}" type="datetimeFigureOut">
               <a:rPr lang="en-US" dirty="0"/>
               <a:pPr/>
-              <a:t>1/18/2022</a:t>
+              <a:t>1/19/2022</a:t>
             </a:fld>
             <a:endParaRPr lang="en-US" dirty="0"/>
           </a:p>
@@ -1350,7 +1350,7 @@
             <a:fld id="{B61BEF0D-F0BB-DE4B-95CE-6DB70DBA9567}" type="datetimeFigureOut">
               <a:rPr lang="en-US" dirty="0"/>
               <a:pPr/>
-              <a:t>1/18/2022</a:t>
+              <a:t>1/19/2022</a:t>
             </a:fld>
             <a:endParaRPr lang="en-US" dirty="0"/>
           </a:p>
@@ -1694,7 +1694,7 @@
             <a:fld id="{B61BEF0D-F0BB-DE4B-95CE-6DB70DBA9567}" type="datetimeFigureOut">
               <a:rPr lang="en-US" dirty="0"/>
               <a:pPr/>
-              <a:t>1/18/2022</a:t>
+              <a:t>1/19/2022</a:t>
             </a:fld>
             <a:endParaRPr lang="en-US" dirty="0"/>
           </a:p>
@@ -2065,7 +2065,7 @@
             <a:fld id="{B61BEF0D-F0BB-DE4B-95CE-6DB70DBA9567}" type="datetimeFigureOut">
               <a:rPr lang="en-US" dirty="0"/>
               <a:pPr/>
-              <a:t>1/18/2022</a:t>
+              <a:t>1/19/2022</a:t>
             </a:fld>
             <a:endParaRPr lang="en-US" dirty="0"/>
           </a:p>
@@ -2532,7 +2532,7 @@
             <a:fld id="{B61BEF0D-F0BB-DE4B-95CE-6DB70DBA9567}" type="datetimeFigureOut">
               <a:rPr lang="en-US" dirty="0"/>
               <a:pPr/>
-              <a:t>1/18/2022</a:t>
+              <a:t>1/19/2022</a:t>
             </a:fld>
             <a:endParaRPr lang="en-US" dirty="0"/>
           </a:p>
@@ -2734,7 +2734,7 @@
             <a:fld id="{B61BEF0D-F0BB-DE4B-95CE-6DB70DBA9567}" type="datetimeFigureOut">
               <a:rPr lang="en-US" dirty="0"/>
               <a:pPr/>
-              <a:t>1/18/2022</a:t>
+              <a:t>1/19/2022</a:t>
             </a:fld>
             <a:endParaRPr lang="en-US" dirty="0"/>
           </a:p>
@@ -2942,7 +2942,7 @@
             <a:fld id="{B61BEF0D-F0BB-DE4B-95CE-6DB70DBA9567}" type="datetimeFigureOut">
               <a:rPr lang="en-US" dirty="0"/>
               <a:pPr/>
-              <a:t>1/18/2022</a:t>
+              <a:t>1/19/2022</a:t>
             </a:fld>
             <a:endParaRPr lang="en-US" dirty="0"/>
           </a:p>
@@ -3170,7 +3170,7 @@
           <a:p>
             <a:fld id="{05BFA754-D5C3-4E66-96A6-867B257F58DC}" type="datetimeFigureOut">
               <a:rPr lang="en-US" dirty="0"/>
-              <a:t>1/18/2022</a:t>
+              <a:t>1/19/2022</a:t>
             </a:fld>
             <a:endParaRPr lang="en-US" dirty="0"/>
           </a:p>
@@ -3414,7 +3414,7 @@
             <a:fld id="{B61BEF0D-F0BB-DE4B-95CE-6DB70DBA9567}" type="datetimeFigureOut">
               <a:rPr lang="en-US" dirty="0"/>
               <a:pPr/>
-              <a:t>1/18/2022</a:t>
+              <a:t>1/19/2022</a:t>
             </a:fld>
             <a:endParaRPr lang="en-US" dirty="0"/>
           </a:p>
@@ -3677,7 +3677,7 @@
           <a:p>
             <a:fld id="{05BFA754-D5C3-4E66-96A6-867B257F58DC}" type="datetimeFigureOut">
               <a:rPr lang="en-US" dirty="0"/>
-              <a:t>1/18/2022</a:t>
+              <a:t>1/19/2022</a:t>
             </a:fld>
             <a:endParaRPr lang="en-US" dirty="0"/>
           </a:p>
@@ -4086,7 +4086,7 @@
             <a:fld id="{B61BEF0D-F0BB-DE4B-95CE-6DB70DBA9567}" type="datetimeFigureOut">
               <a:rPr lang="en-US" dirty="0"/>
               <a:pPr/>
-              <a:t>1/18/2022</a:t>
+              <a:t>1/19/2022</a:t>
             </a:fld>
             <a:endParaRPr lang="en-US" dirty="0"/>
           </a:p>
@@ -4232,7 +4232,7 @@
             <a:fld id="{B61BEF0D-F0BB-DE4B-95CE-6DB70DBA9567}" type="datetimeFigureOut">
               <a:rPr lang="en-US" dirty="0"/>
               <a:pPr/>
-              <a:t>1/18/2022</a:t>
+              <a:t>1/19/2022</a:t>
             </a:fld>
             <a:endParaRPr lang="en-US" dirty="0"/>
           </a:p>
@@ -4355,7 +4355,7 @@
             <a:fld id="{B61BEF0D-F0BB-DE4B-95CE-6DB70DBA9567}" type="datetimeFigureOut">
               <a:rPr lang="en-US" dirty="0"/>
               <a:pPr/>
-              <a:t>1/18/2022</a:t>
+              <a:t>1/19/2022</a:t>
             </a:fld>
             <a:endParaRPr lang="en-US" dirty="0"/>
           </a:p>
@@ -4607,7 +4607,7 @@
             <a:fld id="{B61BEF0D-F0BB-DE4B-95CE-6DB70DBA9567}" type="datetimeFigureOut">
               <a:rPr lang="en-US" dirty="0"/>
               <a:pPr/>
-              <a:t>1/18/2022</a:t>
+              <a:t>1/19/2022</a:t>
             </a:fld>
             <a:endParaRPr lang="en-US" dirty="0"/>
           </a:p>
@@ -4919,7 +4919,7 @@
             <a:fld id="{B61BEF0D-F0BB-DE4B-95CE-6DB70DBA9567}" type="datetimeFigureOut">
               <a:rPr lang="en-US" dirty="0"/>
               <a:pPr/>
-              <a:t>1/18/2022</a:t>
+              <a:t>1/19/2022</a:t>
             </a:fld>
             <a:endParaRPr lang="en-US" dirty="0"/>
           </a:p>
@@ -5267,7 +5267,7 @@
             <a:fld id="{B61BEF0D-F0BB-DE4B-95CE-6DB70DBA9567}" type="datetimeFigureOut">
               <a:rPr lang="en-US" dirty="0"/>
               <a:pPr/>
-              <a:t>1/18/2022</a:t>
+              <a:t>1/19/2022</a:t>
             </a:fld>
             <a:endParaRPr lang="en-US" dirty="0"/>
           </a:p>
@@ -5976,15 +5976,7 @@
           <a:p>
             <a:r>
               <a:rPr lang="hu-HU" dirty="0" err="1" smtClean="0"/>
-              <a:t>Css</a:t>
-            </a:r>
-            <a:r>
-              <a:rPr lang="hu-HU" dirty="0" smtClean="0"/>
-              <a:t> és HTML </a:t>
-            </a:r>
-            <a:r>
-              <a:rPr lang="hu-HU" dirty="0" err="1" smtClean="0"/>
-              <a:t>validálása</a:t>
+              <a:t>Validálás</a:t>
             </a:r>
             <a:endParaRPr lang="hu-HU" dirty="0" smtClean="0"/>
           </a:p>
